--- a/Презентация_ВКР.pptx
+++ b/Презентация_ВКР.pptx
@@ -277,7 +277,7 @@
       </p15:sldGuideLst>
     </p:ext>
     <p:ext uri="http://customooxmlschemas.google.com/">
-      <go:slidesCustomData xmlns="" xmlns:mc="http://schemas.openxmlformats.org/markup-compatibility/2006" xmlns:mv="urn:schemas-microsoft-com:mac:vml" xmlns:c="http://schemas.openxmlformats.org/drawingml/2006/chart" xmlns:dgm="http://schemas.openxmlformats.org/drawingml/2006/diagram" xmlns:o="urn:schemas-microsoft-com:office:office" xmlns:v="urn:schemas-microsoft-com:vml" xmlns:pvml="urn:schemas-microsoft-com:office:powerpoint" xmlns:com="http://schemas.openxmlformats.org/drawingml/2006/compatibility" xmlns:p14="http://schemas.microsoft.com/office/powerpoint/2010/main" xmlns:p15="http://schemas.microsoft.com/office/powerpoint/2012/main" xmlns:ahyp="http://schemas.microsoft.com/office/drawing/2018/hyperlinkcolor" xmlns:go="http://customooxmlschemas.google.com/" r:id="rId21" roundtripDataSignature="AMtx7mg2fLzW2NWhC2ejww7VA5lENbgL/Q=="/>
+      <go:slidesCustomData xmlns:go="http://customooxmlschemas.google.com/" xmlns:ahyp="http://schemas.microsoft.com/office/drawing/2018/hyperlinkcolor" xmlns:p15="http://schemas.microsoft.com/office/powerpoint/2012/main" xmlns:p14="http://schemas.microsoft.com/office/powerpoint/2010/main" xmlns:com="http://schemas.openxmlformats.org/drawingml/2006/compatibility" xmlns:pvml="urn:schemas-microsoft-com:office:powerpoint" xmlns:v="urn:schemas-microsoft-com:vml" xmlns:o="urn:schemas-microsoft-com:office:office" xmlns:dgm="http://schemas.openxmlformats.org/drawingml/2006/diagram" xmlns:c="http://schemas.openxmlformats.org/drawingml/2006/chart" xmlns:mv="urn:schemas-microsoft-com:mac:vml" xmlns:mc="http://schemas.openxmlformats.org/markup-compatibility/2006" xmlns="" r:id="rId21" roundtripDataSignature="AMtx7mg2fLzW2NWhC2ejww7VA5lENbgL/Q=="/>
     </p:ext>
   </p:extLst>
 </p:presentation>
@@ -293,20 +293,6 @@
     </p:extLst>
   </p:cmAuthor>
 </p:cmAuthorLst>
-</file>
-
-<file path=ppt/comments/comment1.xml><?xml version="1.0" encoding="utf-8"?>
-<p:cmLst xmlns:a="http://schemas.openxmlformats.org/drawingml/2006/main" xmlns:r="http://schemas.openxmlformats.org/officeDocument/2006/relationships" xmlns:p="http://schemas.openxmlformats.org/presentationml/2006/main">
-  <p:cm authorId="1" dt="2022-12-23T10:48:27.888" idx="1">
-    <p:pos x="2101" y="3537"/>
-    <p:text/>
-    <p:extLst>
-      <p:ext uri="{C676402C-5697-4E1C-873F-D02D1690AC5C}">
-        <p15:threadingInfo xmlns:p15="http://schemas.microsoft.com/office/powerpoint/2012/main" timeZoneBias="-240"/>
-      </p:ext>
-    </p:extLst>
-  </p:cm>
-</p:cmLst>
 </file>
 
 <file path=ppt/notesMasters/notesMaster1.xml><?xml version="1.0" encoding="utf-8"?>
@@ -16124,260 +16110,12 @@
           </a:p>
         </p:txBody>
       </p:sp>
-      <p:sp>
-        <p:nvSpPr>
-          <p:cNvPr id="5" name="Rectangle 1">
+      <p:pic>
+        <p:nvPicPr>
+          <p:cNvPr id="9" name="Рисунок 8">
             <a:extLst>
               <a:ext uri="{FF2B5EF4-FFF2-40B4-BE49-F238E27FC236}">
-                <a16:creationId xmlns:a16="http://schemas.microsoft.com/office/drawing/2014/main" id="{4E468B3B-A2DC-9720-6744-A11C336F0EE6}"/>
-              </a:ext>
-            </a:extLst>
-          </p:cNvPr>
-          <p:cNvSpPr>
-            <a:spLocks noGrp="1" noChangeArrowheads="1"/>
-          </p:cNvSpPr>
-          <p:nvPr>
-            <p:ph type="body" idx="1"/>
-          </p:nvPr>
-        </p:nvSpPr>
-        <p:spPr bwMode="auto">
-          <a:xfrm>
-            <a:off x="404447" y="2202408"/>
-            <a:ext cx="6060748" cy="830997"/>
-          </a:xfrm>
-          <a:prstGeom prst="rect">
-            <a:avLst/>
-          </a:prstGeom>
-          <a:noFill/>
-          <a:ln>
-            <a:noFill/>
-          </a:ln>
-          <a:effectLst/>
-          <a:extLst>
-            <a:ext uri="{909E8E84-426E-40DD-AFC4-6F175D3DCCD1}">
-              <a14:hiddenFill xmlns:a14="http://schemas.microsoft.com/office/drawing/2010/main">
-                <a:solidFill>
-                  <a:schemeClr val="accent1"/>
-                </a:solidFill>
-              </a14:hiddenFill>
-            </a:ext>
-            <a:ext uri="{91240B29-F687-4F45-9708-019B960494DF}">
-              <a14:hiddenLine xmlns:a14="http://schemas.microsoft.com/office/drawing/2010/main" w="9525">
-                <a:solidFill>
-                  <a:schemeClr val="tx1"/>
-                </a:solidFill>
-                <a:miter lim="800000"/>
-                <a:headEnd/>
-                <a:tailEnd/>
-              </a14:hiddenLine>
-            </a:ext>
-            <a:ext uri="{AF507438-7753-43E0-B8FC-AC1667EBCBE1}">
-              <a14:hiddenEffects xmlns:a14="http://schemas.microsoft.com/office/drawing/2010/main">
-                <a:effectLst>
-                  <a:outerShdw dist="35921" dir="2700000" algn="ctr" rotWithShape="0">
-                    <a:schemeClr val="bg2"/>
-                  </a:outerShdw>
-                </a:effectLst>
-              </a14:hiddenEffects>
-            </a:ext>
-          </a:extLst>
-        </p:spPr>
-        <p:txBody>
-          <a:bodyPr vert="horz" wrap="square" lIns="91440" tIns="45720" rIns="91440" bIns="45720" numCol="1" anchor="ctr" anchorCtr="0" compatLnSpc="1">
-            <a:prstTxWarp prst="textNoShape">
-              <a:avLst/>
-            </a:prstTxWarp>
-            <a:spAutoFit/>
-          </a:bodyPr>
-          <a:lstStyle>
-            <a:lvl1pPr eaLnBrk="0" fontAlgn="base" hangingPunct="0">
-              <a:spcBef>
-                <a:spcPct val="0"/>
-              </a:spcBef>
-              <a:spcAft>
-                <a:spcPct val="0"/>
-              </a:spcAft>
-              <a:defRPr>
-                <a:solidFill>
-                  <a:schemeClr val="tx1"/>
-                </a:solidFill>
-                <a:latin typeface="Arial" panose="020B0604020202020204" pitchFamily="34" charset="0"/>
-              </a:defRPr>
-            </a:lvl1pPr>
-            <a:lvl2pPr marL="457200" eaLnBrk="0" fontAlgn="base" hangingPunct="0">
-              <a:spcBef>
-                <a:spcPct val="0"/>
-              </a:spcBef>
-              <a:spcAft>
-                <a:spcPct val="0"/>
-              </a:spcAft>
-              <a:defRPr>
-                <a:solidFill>
-                  <a:schemeClr val="tx1"/>
-                </a:solidFill>
-                <a:latin typeface="Arial" panose="020B0604020202020204" pitchFamily="34" charset="0"/>
-              </a:defRPr>
-            </a:lvl2pPr>
-            <a:lvl3pPr marL="914400" eaLnBrk="0" fontAlgn="base" hangingPunct="0">
-              <a:spcBef>
-                <a:spcPct val="0"/>
-              </a:spcBef>
-              <a:spcAft>
-                <a:spcPct val="0"/>
-              </a:spcAft>
-              <a:defRPr>
-                <a:solidFill>
-                  <a:schemeClr val="tx1"/>
-                </a:solidFill>
-                <a:latin typeface="Arial" panose="020B0604020202020204" pitchFamily="34" charset="0"/>
-              </a:defRPr>
-            </a:lvl3pPr>
-            <a:lvl4pPr marL="1371600" eaLnBrk="0" fontAlgn="base" hangingPunct="0">
-              <a:spcBef>
-                <a:spcPct val="0"/>
-              </a:spcBef>
-              <a:spcAft>
-                <a:spcPct val="0"/>
-              </a:spcAft>
-              <a:defRPr>
-                <a:solidFill>
-                  <a:schemeClr val="tx1"/>
-                </a:solidFill>
-                <a:latin typeface="Arial" panose="020B0604020202020204" pitchFamily="34" charset="0"/>
-              </a:defRPr>
-            </a:lvl4pPr>
-            <a:lvl5pPr marL="1828800" eaLnBrk="0" fontAlgn="base" hangingPunct="0">
-              <a:spcBef>
-                <a:spcPct val="0"/>
-              </a:spcBef>
-              <a:spcAft>
-                <a:spcPct val="0"/>
-              </a:spcAft>
-              <a:defRPr>
-                <a:solidFill>
-                  <a:schemeClr val="tx1"/>
-                </a:solidFill>
-                <a:latin typeface="Arial" panose="020B0604020202020204" pitchFamily="34" charset="0"/>
-              </a:defRPr>
-            </a:lvl5pPr>
-            <a:lvl6pPr marL="2286000" eaLnBrk="0" fontAlgn="base" hangingPunct="0">
-              <a:spcBef>
-                <a:spcPct val="0"/>
-              </a:spcBef>
-              <a:spcAft>
-                <a:spcPct val="0"/>
-              </a:spcAft>
-              <a:defRPr>
-                <a:solidFill>
-                  <a:schemeClr val="tx1"/>
-                </a:solidFill>
-                <a:latin typeface="Arial" panose="020B0604020202020204" pitchFamily="34" charset="0"/>
-              </a:defRPr>
-            </a:lvl6pPr>
-            <a:lvl7pPr marL="2743200" eaLnBrk="0" fontAlgn="base" hangingPunct="0">
-              <a:spcBef>
-                <a:spcPct val="0"/>
-              </a:spcBef>
-              <a:spcAft>
-                <a:spcPct val="0"/>
-              </a:spcAft>
-              <a:defRPr>
-                <a:solidFill>
-                  <a:schemeClr val="tx1"/>
-                </a:solidFill>
-                <a:latin typeface="Arial" panose="020B0604020202020204" pitchFamily="34" charset="0"/>
-              </a:defRPr>
-            </a:lvl7pPr>
-            <a:lvl8pPr marL="3200400" eaLnBrk="0" fontAlgn="base" hangingPunct="0">
-              <a:spcBef>
-                <a:spcPct val="0"/>
-              </a:spcBef>
-              <a:spcAft>
-                <a:spcPct val="0"/>
-              </a:spcAft>
-              <a:defRPr>
-                <a:solidFill>
-                  <a:schemeClr val="tx1"/>
-                </a:solidFill>
-                <a:latin typeface="Arial" panose="020B0604020202020204" pitchFamily="34" charset="0"/>
-              </a:defRPr>
-            </a:lvl8pPr>
-            <a:lvl9pPr marL="3657600" eaLnBrk="0" fontAlgn="base" hangingPunct="0">
-              <a:spcBef>
-                <a:spcPct val="0"/>
-              </a:spcBef>
-              <a:spcAft>
-                <a:spcPct val="0"/>
-              </a:spcAft>
-              <a:defRPr>
-                <a:solidFill>
-                  <a:schemeClr val="tx1"/>
-                </a:solidFill>
-                <a:latin typeface="Arial" panose="020B0604020202020204" pitchFamily="34" charset="0"/>
-              </a:defRPr>
-            </a:lvl9pPr>
-          </a:lstStyle>
-          <a:p>
-            <a:pPr marL="742950" lvl="1" indent="-285750">
-              <a:lnSpc>
-                <a:spcPct val="100000"/>
-              </a:lnSpc>
-              <a:buClrTx/>
-              <a:buSzTx/>
-            </a:pPr>
-            <a:r>
-              <a:rPr kumimoji="0" lang="ru-RU" altLang="ru-RU" sz="2400" b="0" i="0" u="none" strike="noStrike" cap="none" normalizeH="0" baseline="0" dirty="0">
-                <a:ln>
-                  <a:noFill/>
-                </a:ln>
-                <a:solidFill>
-                  <a:schemeClr val="tx1"/>
-                </a:solidFill>
-                <a:effectLst/>
-                <a:latin typeface="Arial" panose="020B0604020202020204" pitchFamily="34" charset="0"/>
-                <a:ea typeface="Times New Roman" panose="02020603050405020304" pitchFamily="18" charset="0"/>
-              </a:rPr>
-              <a:t>Линейная регрессия;</a:t>
-            </a:r>
-            <a:endParaRPr kumimoji="0" lang="ru-RU" altLang="ru-RU" sz="2400" b="0" i="0" u="none" strike="noStrike" cap="none" normalizeH="0" baseline="0" dirty="0">
-              <a:ln>
-                <a:noFill/>
-              </a:ln>
-              <a:solidFill>
-                <a:schemeClr val="tx1"/>
-              </a:solidFill>
-              <a:effectLst/>
-              <a:latin typeface="Arial" panose="020B0604020202020204" pitchFamily="34" charset="0"/>
-            </a:endParaRPr>
-          </a:p>
-          <a:p>
-            <a:pPr lvl="1" indent="0">
-              <a:lnSpc>
-                <a:spcPct val="100000"/>
-              </a:lnSpc>
-              <a:buClrTx/>
-              <a:buSzTx/>
-              <a:buNone/>
-            </a:pPr>
-            <a:endParaRPr kumimoji="0" lang="ru-RU" altLang="ru-RU" sz="2400" b="0" i="0" u="none" strike="noStrike" cap="none" normalizeH="0" baseline="0" dirty="0">
-              <a:ln>
-                <a:noFill/>
-              </a:ln>
-              <a:solidFill>
-                <a:schemeClr val="tx1"/>
-              </a:solidFill>
-              <a:effectLst/>
-              <a:latin typeface="Arial" panose="020B0604020202020204" pitchFamily="34" charset="0"/>
-            </a:endParaRPr>
-          </a:p>
-        </p:txBody>
-      </p:sp>
-      <p:pic>
-        <p:nvPicPr>
-          <p:cNvPr id="6" name="Рисунок 5">
-            <a:extLst>
-              <a:ext uri="{FF2B5EF4-FFF2-40B4-BE49-F238E27FC236}">
-                <a16:creationId xmlns:a16="http://schemas.microsoft.com/office/drawing/2014/main" id="{33631BF8-68FE-FEB2-61DA-4897680E69C7}"/>
+                <a16:creationId xmlns:a16="http://schemas.microsoft.com/office/drawing/2014/main" id="{051A0F4D-C483-9980-CCBC-AD23982A494A}"/>
               </a:ext>
             </a:extLst>
           </p:cNvPr>
@@ -16394,8 +16132,8 @@
         </p:blipFill>
         <p:spPr>
           <a:xfrm>
-            <a:off x="894202" y="4141401"/>
-            <a:ext cx="8192213" cy="2219405"/>
+            <a:off x="404447" y="953781"/>
+            <a:ext cx="8477250" cy="5772150"/>
           </a:xfrm>
           <a:prstGeom prst="rect">
             <a:avLst/>
@@ -16554,10 +16292,10 @@
       </p:sp>
       <p:pic>
         <p:nvPicPr>
-          <p:cNvPr id="8" name="Рисунок 7">
+          <p:cNvPr id="6" name="Рисунок 5">
             <a:extLst>
               <a:ext uri="{FF2B5EF4-FFF2-40B4-BE49-F238E27FC236}">
-                <a16:creationId xmlns:a16="http://schemas.microsoft.com/office/drawing/2014/main" id="{BD5539E0-786D-349B-3224-E72B26B8D38B}"/>
+                <a16:creationId xmlns:a16="http://schemas.microsoft.com/office/drawing/2014/main" id="{64AB2457-0A1B-691A-49AD-97F36E4F3DAD}"/>
               </a:ext>
             </a:extLst>
           </p:cNvPr>
@@ -16574,8 +16312,8 @@
         </p:blipFill>
         <p:spPr>
           <a:xfrm>
-            <a:off x="668287" y="1466535"/>
-            <a:ext cx="10516103" cy="3924929"/>
+            <a:off x="2119357" y="1545485"/>
+            <a:ext cx="6399420" cy="5204012"/>
           </a:xfrm>
           <a:prstGeom prst="rect">
             <a:avLst/>

--- a/Презентация_ВКР.pptx
+++ b/Презентация_ВКР.pptx
@@ -277,7 +277,7 @@
       </p15:sldGuideLst>
     </p:ext>
     <p:ext uri="http://customooxmlschemas.google.com/">
-      <go:slidesCustomData xmlns:go="http://customooxmlschemas.google.com/" xmlns:ahyp="http://schemas.microsoft.com/office/drawing/2018/hyperlinkcolor" xmlns:p15="http://schemas.microsoft.com/office/powerpoint/2012/main" xmlns:p14="http://schemas.microsoft.com/office/powerpoint/2010/main" xmlns:com="http://schemas.openxmlformats.org/drawingml/2006/compatibility" xmlns:pvml="urn:schemas-microsoft-com:office:powerpoint" xmlns:v="urn:schemas-microsoft-com:vml" xmlns:o="urn:schemas-microsoft-com:office:office" xmlns:dgm="http://schemas.openxmlformats.org/drawingml/2006/diagram" xmlns:c="http://schemas.openxmlformats.org/drawingml/2006/chart" xmlns:mv="urn:schemas-microsoft-com:mac:vml" xmlns:mc="http://schemas.openxmlformats.org/markup-compatibility/2006" xmlns="" r:id="rId21" roundtripDataSignature="AMtx7mg2fLzW2NWhC2ejww7VA5lENbgL/Q=="/>
+      <go:slidesCustomData xmlns="" xmlns:mc="http://schemas.openxmlformats.org/markup-compatibility/2006" xmlns:mv="urn:schemas-microsoft-com:mac:vml" xmlns:c="http://schemas.openxmlformats.org/drawingml/2006/chart" xmlns:dgm="http://schemas.openxmlformats.org/drawingml/2006/diagram" xmlns:o="urn:schemas-microsoft-com:office:office" xmlns:v="urn:schemas-microsoft-com:vml" xmlns:pvml="urn:schemas-microsoft-com:office:powerpoint" xmlns:com="http://schemas.openxmlformats.org/drawingml/2006/compatibility" xmlns:p14="http://schemas.microsoft.com/office/powerpoint/2010/main" xmlns:p15="http://schemas.microsoft.com/office/powerpoint/2012/main" xmlns:ahyp="http://schemas.microsoft.com/office/drawing/2018/hyperlinkcolor" xmlns:go="http://customooxmlschemas.google.com/" r:id="rId21" roundtripDataSignature="AMtx7mg2fLzW2NWhC2ejww7VA5lENbgL/Q=="/>
     </p:ext>
   </p:extLst>
 </p:presentation>
@@ -14954,7 +14954,7 @@
         </p:blipFill>
         <p:spPr>
           <a:xfrm>
-            <a:off x="244570" y="1325296"/>
+            <a:off x="244570" y="1197109"/>
             <a:ext cx="11702859" cy="4011618"/>
           </a:xfrm>
           <a:prstGeom prst="rect">
@@ -16112,10 +16112,10 @@
       </p:sp>
       <p:pic>
         <p:nvPicPr>
-          <p:cNvPr id="9" name="Рисунок 8">
+          <p:cNvPr id="7" name="Рисунок 6">
             <a:extLst>
               <a:ext uri="{FF2B5EF4-FFF2-40B4-BE49-F238E27FC236}">
-                <a16:creationId xmlns:a16="http://schemas.microsoft.com/office/drawing/2014/main" id="{051A0F4D-C483-9980-CCBC-AD23982A494A}"/>
+                <a16:creationId xmlns:a16="http://schemas.microsoft.com/office/drawing/2014/main" id="{223C0635-C8DD-EC42-4BE3-0C9D6C046D6D}"/>
               </a:ext>
             </a:extLst>
           </p:cNvPr>
@@ -16132,14 +16132,49 @@
         </p:blipFill>
         <p:spPr>
           <a:xfrm>
-            <a:off x="404447" y="953781"/>
-            <a:ext cx="8477250" cy="5772150"/>
+            <a:off x="515508" y="1384953"/>
+            <a:ext cx="9810750" cy="4686300"/>
           </a:xfrm>
           <a:prstGeom prst="rect">
             <a:avLst/>
           </a:prstGeom>
         </p:spPr>
       </p:pic>
+      <p:sp>
+        <p:nvSpPr>
+          <p:cNvPr id="10" name="TextBox 9">
+            <a:extLst>
+              <a:ext uri="{FF2B5EF4-FFF2-40B4-BE49-F238E27FC236}">
+                <a16:creationId xmlns:a16="http://schemas.microsoft.com/office/drawing/2014/main" id="{75088928-B4C9-128D-0782-BFD656125E88}"/>
+              </a:ext>
+            </a:extLst>
+          </p:cNvPr>
+          <p:cNvSpPr txBox="1"/>
+          <p:nvPr/>
+        </p:nvSpPr>
+        <p:spPr>
+          <a:xfrm>
+            <a:off x="1433557" y="1576635"/>
+            <a:ext cx="6097424" cy="461665"/>
+          </a:xfrm>
+          <a:prstGeom prst="rect">
+            <a:avLst/>
+          </a:prstGeom>
+          <a:noFill/>
+        </p:spPr>
+        <p:txBody>
+          <a:bodyPr wrap="square">
+            <a:spAutoFit/>
+          </a:bodyPr>
+          <a:lstStyle/>
+          <a:p>
+            <a:r>
+              <a:rPr lang="ru-RU" sz="2400" dirty="0"/>
+              <a:t>Полиноминальная регрессия</a:t>
+            </a:r>
+          </a:p>
+        </p:txBody>
+      </p:sp>
     </p:spTree>
     <p:extLst>
       <p:ext uri="{BB962C8B-B14F-4D97-AF65-F5344CB8AC3E}">
